--- a/27. LSTM.pptx
+++ b/27. LSTM.pptx
@@ -5,29 +5,30 @@
     <p:sldMasterId id="2147483756" r:id="rId1"/>
   </p:sldMasterIdLst>
   <p:notesMasterIdLst>
-    <p:notesMasterId r:id="rId19"/>
+    <p:notesMasterId r:id="rId20"/>
   </p:notesMasterIdLst>
   <p:handoutMasterIdLst>
-    <p:handoutMasterId r:id="rId20"/>
+    <p:handoutMasterId r:id="rId21"/>
   </p:handoutMasterIdLst>
   <p:sldIdLst>
     <p:sldId id="256" r:id="rId2"/>
     <p:sldId id="257" r:id="rId3"/>
-    <p:sldId id="258" r:id="rId4"/>
-    <p:sldId id="259" r:id="rId5"/>
-    <p:sldId id="260" r:id="rId6"/>
-    <p:sldId id="261" r:id="rId7"/>
-    <p:sldId id="262" r:id="rId8"/>
-    <p:sldId id="263" r:id="rId9"/>
-    <p:sldId id="264" r:id="rId10"/>
-    <p:sldId id="265" r:id="rId11"/>
-    <p:sldId id="266" r:id="rId12"/>
-    <p:sldId id="267" r:id="rId13"/>
-    <p:sldId id="269" r:id="rId14"/>
-    <p:sldId id="268" r:id="rId15"/>
-    <p:sldId id="271" r:id="rId16"/>
-    <p:sldId id="270" r:id="rId17"/>
-    <p:sldId id="272" r:id="rId18"/>
+    <p:sldId id="273" r:id="rId4"/>
+    <p:sldId id="258" r:id="rId5"/>
+    <p:sldId id="259" r:id="rId6"/>
+    <p:sldId id="260" r:id="rId7"/>
+    <p:sldId id="261" r:id="rId8"/>
+    <p:sldId id="262" r:id="rId9"/>
+    <p:sldId id="263" r:id="rId10"/>
+    <p:sldId id="264" r:id="rId11"/>
+    <p:sldId id="265" r:id="rId12"/>
+    <p:sldId id="266" r:id="rId13"/>
+    <p:sldId id="267" r:id="rId14"/>
+    <p:sldId id="269" r:id="rId15"/>
+    <p:sldId id="268" r:id="rId16"/>
+    <p:sldId id="271" r:id="rId17"/>
+    <p:sldId id="270" r:id="rId18"/>
+    <p:sldId id="272" r:id="rId19"/>
   </p:sldIdLst>
   <p:sldSz cx="12192000" cy="6858000"/>
   <p:notesSz cx="6858000" cy="9144000"/>
@@ -232,7 +233,7 @@
             <a:fld id="{E0B62A4F-2A47-4D74-9C2B-404E0C6A6728}" type="datetimeFigureOut">
               <a:rPr lang="en-US" smtClean="0"/>
               <a:pPr/>
-              <a:t>4/14/2020</a:t>
+              <a:t>5/16/2020</a:t>
             </a:fld>
             <a:endParaRPr lang="en-US"/>
           </a:p>
@@ -412,7 +413,7 @@
             <a:fld id="{C27EFA79-94F4-4F83-9074-800ADCDB8B57}" type="datetimeFigureOut">
               <a:rPr lang="en-US" smtClean="0"/>
               <a:pPr/>
-              <a:t>4/14/2020</a:t>
+              <a:t>5/16/2020</a:t>
             </a:fld>
             <a:endParaRPr lang="en-US"/>
           </a:p>
@@ -870,7 +871,7 @@
             <a:fld id="{20D1E156-D42A-4ADE-A673-51A80034F297}" type="datetime1">
               <a:rPr lang="en-US" smtClean="0"/>
               <a:pPr/>
-              <a:t>4/14/2020</a:t>
+              <a:t>5/16/2020</a:t>
             </a:fld>
             <a:endParaRPr lang="en-US" dirty="0"/>
           </a:p>
@@ -1072,7 +1073,7 @@
             <a:fld id="{612D96CD-BEB1-426C-9EC5-1E22E1E5BDEF}" type="datetime1">
               <a:rPr lang="en-US" smtClean="0"/>
               <a:pPr/>
-              <a:t>4/14/2020</a:t>
+              <a:t>5/16/2020</a:t>
             </a:fld>
             <a:endParaRPr lang="en-US" dirty="0"/>
           </a:p>
@@ -1249,7 +1250,7 @@
             <a:fld id="{B1BCBE90-35D6-406F-A7A7-ED27BBF57379}" type="datetime1">
               <a:rPr lang="en-US" smtClean="0"/>
               <a:pPr/>
-              <a:t>4/14/2020</a:t>
+              <a:t>5/16/2020</a:t>
             </a:fld>
             <a:endParaRPr lang="en-US" dirty="0"/>
           </a:p>
@@ -1416,7 +1417,7 @@
             <a:fld id="{EA9BD9E9-5EA4-4A2A-B2C5-681A82CF0593}" type="datetime1">
               <a:rPr lang="en-US" smtClean="0"/>
               <a:pPr/>
-              <a:t>4/14/2020</a:t>
+              <a:t>5/16/2020</a:t>
             </a:fld>
             <a:endParaRPr lang="en-US" dirty="0"/>
           </a:p>
@@ -1666,7 +1667,7 @@
             <a:fld id="{614447C9-74F0-431B-AC79-99109FF38A49}" type="datetime1">
               <a:rPr lang="en-US" smtClean="0"/>
               <a:pPr/>
-              <a:t>4/14/2020</a:t>
+              <a:t>5/16/2020</a:t>
             </a:fld>
             <a:endParaRPr lang="en-US" dirty="0"/>
           </a:p>
@@ -1986,7 +1987,7 @@
             <a:fld id="{928EA129-4B05-4CB6-BF54-CC9BAEAF7763}" type="datetime1">
               <a:rPr lang="en-US" smtClean="0"/>
               <a:pPr/>
-              <a:t>4/14/2020</a:t>
+              <a:t>5/16/2020</a:t>
             </a:fld>
             <a:endParaRPr lang="en-US" dirty="0"/>
           </a:p>
@@ -2454,7 +2455,7 @@
             <a:fld id="{EBD5F4E9-4FF0-4A41-B59B-B3C77178F1D4}" type="datetime1">
               <a:rPr lang="en-US" smtClean="0"/>
               <a:pPr/>
-              <a:t>4/14/2020</a:t>
+              <a:t>5/16/2020</a:t>
             </a:fld>
             <a:endParaRPr lang="en-US" dirty="0"/>
           </a:p>
@@ -2604,7 +2605,7 @@
             <a:fld id="{1B81751D-D9A9-42CB-96CB-D852143C3E1D}" type="datetime1">
               <a:rPr lang="en-US" smtClean="0"/>
               <a:pPr/>
-              <a:t>4/14/2020</a:t>
+              <a:t>5/16/2020</a:t>
             </a:fld>
             <a:endParaRPr lang="en-US" dirty="0"/>
           </a:p>
@@ -2696,7 +2697,7 @@
             <a:fld id="{BE38B091-B052-476A-9A01-E714381DD6A0}" type="datetime1">
               <a:rPr lang="en-US" smtClean="0"/>
               <a:pPr/>
-              <a:t>4/14/2020</a:t>
+              <a:t>5/16/2020</a:t>
             </a:fld>
             <a:endParaRPr lang="en-US" dirty="0"/>
           </a:p>
@@ -2972,7 +2973,7 @@
             <a:fld id="{DD9BA0DD-DD03-4EAA-BD7E-1C4F8F5EEC84}" type="datetime1">
               <a:rPr lang="en-US" smtClean="0"/>
               <a:pPr/>
-              <a:t>4/14/2020</a:t>
+              <a:t>5/16/2020</a:t>
             </a:fld>
             <a:endParaRPr lang="en-US" dirty="0"/>
           </a:p>
@@ -3279,7 +3280,7 @@
             <a:fld id="{BB8EB681-E53D-4D2F-8C26-907E76CAE5DA}" type="datetime1">
               <a:rPr lang="en-US" smtClean="0"/>
               <a:pPr/>
-              <a:t>4/14/2020</a:t>
+              <a:t>5/16/2020</a:t>
             </a:fld>
             <a:endParaRPr lang="en-US" dirty="0"/>
           </a:p>
@@ -3579,7 +3580,7 @@
             <a:fld id="{E9A0F167-ED44-4106-A92C-2C523A34F8CD}" type="datetime1">
               <a:rPr lang="en-US" smtClean="0"/>
               <a:pPr/>
-              <a:t>4/14/2020</a:t>
+              <a:t>5/16/2020</a:t>
             </a:fld>
             <a:endParaRPr lang="en-US" dirty="0"/>
           </a:p>
@@ -4135,7 +4136,72 @@
           <a:p>
             <a:r>
               <a:rPr lang="en-IN" dirty="0" smtClean="0"/>
-              <a:t>LSTM</a:t>
+              <a:t>Gate</a:t>
+            </a:r>
+            <a:endParaRPr lang="en-IN" dirty="0"/>
+          </a:p>
+        </p:txBody>
+      </p:sp>
+      <p:sp>
+        <p:nvSpPr>
+          <p:cNvPr id="3" name="Content Placeholder 2"/>
+          <p:cNvSpPr>
+            <a:spLocks noGrp="1"/>
+          </p:cNvSpPr>
+          <p:nvPr>
+            <p:ph idx="1"/>
+          </p:nvPr>
+        </p:nvSpPr>
+        <p:spPr/>
+        <p:txBody>
+          <a:bodyPr/>
+          <a:lstStyle/>
+          <a:p>
+            <a:r>
+              <a:rPr lang="en-IN" dirty="0" smtClean="0"/>
+              <a:t>Gates optionally let information through</a:t>
+            </a:r>
+          </a:p>
+          <a:p>
+            <a:endParaRPr lang="en-IN" dirty="0"/>
+          </a:p>
+          <a:p>
+            <a:endParaRPr lang="en-IN" dirty="0" smtClean="0"/>
+          </a:p>
+          <a:p>
+            <a:pPr marL="0" indent="0" algn="r">
+              <a:buNone/>
+            </a:pPr>
+            <a:r>
+              <a:rPr lang="en-IN" dirty="0" smtClean="0"/>
+              <a:t>Multiply vector dimension by value in [0,1]</a:t>
+            </a:r>
+          </a:p>
+          <a:p>
+            <a:pPr marL="0" indent="0" algn="r">
+              <a:buNone/>
+            </a:pPr>
+            <a:r>
+              <a:rPr lang="en-IN" dirty="0" smtClean="0"/>
+              <a:t>Zero means : forget everything</a:t>
+            </a:r>
+          </a:p>
+          <a:p>
+            <a:pPr marL="0" indent="0" algn="r">
+              <a:buNone/>
+            </a:pPr>
+            <a:r>
+              <a:rPr lang="en-IN" dirty="0" smtClean="0"/>
+              <a:t>One means : carry through unchanged</a:t>
+            </a:r>
+          </a:p>
+          <a:p>
+            <a:pPr marL="0" indent="0" algn="r">
+              <a:buNone/>
+            </a:pPr>
+            <a:r>
+              <a:rPr lang="en-IN" dirty="0" smtClean="0"/>
+              <a:t>LSTM has different gates</a:t>
             </a:r>
             <a:endParaRPr lang="en-IN" dirty="0"/>
           </a:p>
@@ -4160,6 +4226,366 @@
               <a:rPr lang="en-US" smtClean="0"/>
               <a:pPr/>
               <a:t>10</a:t>
+            </a:fld>
+            <a:endParaRPr lang="en-US" dirty="0"/>
+          </a:p>
+        </p:txBody>
+      </p:sp>
+      <p:sp>
+        <p:nvSpPr>
+          <p:cNvPr id="5" name="Rounded Rectangle 4"/>
+          <p:cNvSpPr/>
+          <p:nvPr/>
+        </p:nvSpPr>
+        <p:spPr>
+          <a:xfrm>
+            <a:off x="1538577" y="3165788"/>
+            <a:ext cx="1930400" cy="1349828"/>
+          </a:xfrm>
+          <a:prstGeom prst="roundRect">
+            <a:avLst/>
+          </a:prstGeom>
+          <a:solidFill>
+            <a:srgbClr val="92D050"/>
+          </a:solidFill>
+        </p:spPr>
+        <p:style>
+          <a:lnRef idx="2">
+            <a:schemeClr val="accent1">
+              <a:shade val="50000"/>
+            </a:schemeClr>
+          </a:lnRef>
+          <a:fillRef idx="1">
+            <a:schemeClr val="accent1"/>
+          </a:fillRef>
+          <a:effectRef idx="0">
+            <a:schemeClr val="accent1"/>
+          </a:effectRef>
+          <a:fontRef idx="minor">
+            <a:schemeClr val="lt1"/>
+          </a:fontRef>
+        </p:style>
+        <p:txBody>
+          <a:bodyPr rtlCol="0" anchor="ctr"/>
+          <a:lstStyle/>
+          <a:p>
+            <a:pPr algn="ctr"/>
+            <a:r>
+              <a:rPr lang="el-GR" dirty="0"/>
+              <a:t> </a:t>
+            </a:r>
+            <a:r>
+              <a:rPr lang="el-GR" b="1" dirty="0"/>
+              <a:t>σ</a:t>
+            </a:r>
+            <a:endParaRPr lang="en-IN" b="1" dirty="0">
+              <a:solidFill>
+                <a:schemeClr val="tx1"/>
+              </a:solidFill>
+            </a:endParaRPr>
+          </a:p>
+        </p:txBody>
+      </p:sp>
+      <p:cxnSp>
+        <p:nvCxnSpPr>
+          <p:cNvPr id="6" name="Straight Arrow Connector 5"/>
+          <p:cNvCxnSpPr/>
+          <p:nvPr/>
+        </p:nvCxnSpPr>
+        <p:spPr>
+          <a:xfrm>
+            <a:off x="1030577" y="3827861"/>
+            <a:ext cx="464458" cy="12841"/>
+          </a:xfrm>
+          <a:prstGeom prst="straightConnector1">
+            <a:avLst/>
+          </a:prstGeom>
+          <a:ln w="22225">
+            <a:solidFill>
+              <a:schemeClr val="tx1"/>
+            </a:solidFill>
+            <a:tailEnd type="arrow"/>
+          </a:ln>
+        </p:spPr>
+        <p:style>
+          <a:lnRef idx="1">
+            <a:schemeClr val="accent1"/>
+          </a:lnRef>
+          <a:fillRef idx="0">
+            <a:schemeClr val="accent1"/>
+          </a:fillRef>
+          <a:effectRef idx="0">
+            <a:schemeClr val="accent1"/>
+          </a:effectRef>
+          <a:fontRef idx="minor">
+            <a:schemeClr val="tx1"/>
+          </a:fontRef>
+        </p:style>
+      </p:cxnSp>
+      <p:cxnSp>
+        <p:nvCxnSpPr>
+          <p:cNvPr id="7" name="Straight Arrow Connector 6"/>
+          <p:cNvCxnSpPr/>
+          <p:nvPr/>
+        </p:nvCxnSpPr>
+        <p:spPr>
+          <a:xfrm>
+            <a:off x="3425435" y="3840702"/>
+            <a:ext cx="638629" cy="0"/>
+          </a:xfrm>
+          <a:prstGeom prst="straightConnector1">
+            <a:avLst/>
+          </a:prstGeom>
+          <a:ln w="22225">
+            <a:solidFill>
+              <a:schemeClr val="tx1"/>
+            </a:solidFill>
+            <a:tailEnd type="arrow"/>
+          </a:ln>
+        </p:spPr>
+        <p:style>
+          <a:lnRef idx="1">
+            <a:schemeClr val="accent1"/>
+          </a:lnRef>
+          <a:fillRef idx="0">
+            <a:schemeClr val="accent1"/>
+          </a:fillRef>
+          <a:effectRef idx="0">
+            <a:schemeClr val="accent1"/>
+          </a:effectRef>
+          <a:fontRef idx="minor">
+            <a:schemeClr val="tx1"/>
+          </a:fontRef>
+        </p:style>
+      </p:cxnSp>
+      <p:sp>
+        <p:nvSpPr>
+          <p:cNvPr id="8" name="Oval 7"/>
+          <p:cNvSpPr/>
+          <p:nvPr/>
+        </p:nvSpPr>
+        <p:spPr>
+          <a:xfrm>
+            <a:off x="4064064" y="3595632"/>
+            <a:ext cx="493486" cy="464457"/>
+          </a:xfrm>
+          <a:prstGeom prst="ellipse">
+            <a:avLst/>
+          </a:prstGeom>
+        </p:spPr>
+        <p:style>
+          <a:lnRef idx="2">
+            <a:schemeClr val="accent1">
+              <a:shade val="50000"/>
+            </a:schemeClr>
+          </a:lnRef>
+          <a:fillRef idx="1">
+            <a:schemeClr val="accent1"/>
+          </a:fillRef>
+          <a:effectRef idx="0">
+            <a:schemeClr val="accent1"/>
+          </a:effectRef>
+          <a:fontRef idx="minor">
+            <a:schemeClr val="lt1"/>
+          </a:fontRef>
+        </p:style>
+        <p:txBody>
+          <a:bodyPr rtlCol="0" anchor="ctr"/>
+          <a:lstStyle/>
+          <a:p>
+            <a:pPr algn="ctr"/>
+            <a:r>
+              <a:rPr lang="en-IN" b="1" dirty="0" smtClean="0">
+                <a:solidFill>
+                  <a:schemeClr val="tx1"/>
+                </a:solidFill>
+              </a:rPr>
+              <a:t>X</a:t>
+            </a:r>
+            <a:endParaRPr lang="en-IN" b="1" dirty="0">
+              <a:solidFill>
+                <a:schemeClr val="tx1"/>
+              </a:solidFill>
+            </a:endParaRPr>
+          </a:p>
+        </p:txBody>
+      </p:sp>
+      <p:cxnSp>
+        <p:nvCxnSpPr>
+          <p:cNvPr id="10" name="Curved Connector 9"/>
+          <p:cNvCxnSpPr/>
+          <p:nvPr/>
+        </p:nvCxnSpPr>
+        <p:spPr>
+          <a:xfrm flipV="1">
+            <a:off x="1807941" y="4859832"/>
+            <a:ext cx="1291771" cy="688646"/>
+          </a:xfrm>
+          <a:prstGeom prst="curvedConnector3">
+            <a:avLst>
+              <a:gd name="adj1" fmla="val 54494"/>
+            </a:avLst>
+          </a:prstGeom>
+          <a:ln w="12700">
+            <a:solidFill>
+              <a:schemeClr val="tx1"/>
+            </a:solidFill>
+          </a:ln>
+        </p:spPr>
+        <p:style>
+          <a:lnRef idx="1">
+            <a:schemeClr val="accent1"/>
+          </a:lnRef>
+          <a:fillRef idx="0">
+            <a:schemeClr val="accent1"/>
+          </a:fillRef>
+          <a:effectRef idx="0">
+            <a:schemeClr val="accent1"/>
+          </a:effectRef>
+          <a:fontRef idx="minor">
+            <a:schemeClr val="tx1"/>
+          </a:fontRef>
+        </p:style>
+      </p:cxnSp>
+      <p:sp>
+        <p:nvSpPr>
+          <p:cNvPr id="12" name="TextBox 11"/>
+          <p:cNvSpPr txBox="1"/>
+          <p:nvPr/>
+        </p:nvSpPr>
+        <p:spPr>
+          <a:xfrm>
+            <a:off x="1495035" y="5363812"/>
+            <a:ext cx="312906" cy="369332"/>
+          </a:xfrm>
+          <a:prstGeom prst="rect">
+            <a:avLst/>
+          </a:prstGeom>
+          <a:noFill/>
+        </p:spPr>
+        <p:txBody>
+          <a:bodyPr wrap="none" rtlCol="0">
+            <a:spAutoFit/>
+          </a:bodyPr>
+          <a:lstStyle/>
+          <a:p>
+            <a:r>
+              <a:rPr lang="en-IN" dirty="0" smtClean="0"/>
+              <a:t>0</a:t>
+            </a:r>
+            <a:endParaRPr lang="en-IN" dirty="0"/>
+          </a:p>
+        </p:txBody>
+      </p:sp>
+      <p:sp>
+        <p:nvSpPr>
+          <p:cNvPr id="13" name="TextBox 12"/>
+          <p:cNvSpPr txBox="1"/>
+          <p:nvPr/>
+        </p:nvSpPr>
+        <p:spPr>
+          <a:xfrm>
+            <a:off x="3099712" y="4859832"/>
+            <a:ext cx="312906" cy="369332"/>
+          </a:xfrm>
+          <a:prstGeom prst="rect">
+            <a:avLst/>
+          </a:prstGeom>
+          <a:noFill/>
+        </p:spPr>
+        <p:txBody>
+          <a:bodyPr wrap="none" rtlCol="0">
+            <a:spAutoFit/>
+          </a:bodyPr>
+          <a:lstStyle/>
+          <a:p>
+            <a:r>
+              <a:rPr lang="en-IN" dirty="0" smtClean="0"/>
+              <a:t>1</a:t>
+            </a:r>
+            <a:endParaRPr lang="en-IN" dirty="0"/>
+          </a:p>
+        </p:txBody>
+      </p:sp>
+    </p:spTree>
+    <p:extLst>
+      <p:ext uri="{BB962C8B-B14F-4D97-AF65-F5344CB8AC3E}">
+        <p14:creationId xmlns:p14="http://schemas.microsoft.com/office/powerpoint/2010/main" val="3773406125"/>
+      </p:ext>
+    </p:extLst>
+  </p:cSld>
+  <p:clrMapOvr>
+    <a:masterClrMapping/>
+  </p:clrMapOvr>
+  <p:timing>
+    <p:tnLst>
+      <p:par>
+        <p:cTn id="1" dur="indefinite" restart="never" nodeType="tmRoot"/>
+      </p:par>
+    </p:tnLst>
+  </p:timing>
+</p:sld>
+</file>
+
+<file path=ppt/slides/slide11.xml><?xml version="1.0" encoding="utf-8"?>
+<p:sld xmlns:a="http://schemas.openxmlformats.org/drawingml/2006/main" xmlns:r="http://schemas.openxmlformats.org/officeDocument/2006/relationships" xmlns:p="http://schemas.openxmlformats.org/presentationml/2006/main">
+  <p:cSld>
+    <p:spTree>
+      <p:nvGrpSpPr>
+        <p:cNvPr id="1" name=""/>
+        <p:cNvGrpSpPr/>
+        <p:nvPr/>
+      </p:nvGrpSpPr>
+      <p:grpSpPr>
+        <a:xfrm>
+          <a:off x="0" y="0"/>
+          <a:ext cx="0" cy="0"/>
+          <a:chOff x="0" y="0"/>
+          <a:chExt cx="0" cy="0"/>
+        </a:xfrm>
+      </p:grpSpPr>
+      <p:sp>
+        <p:nvSpPr>
+          <p:cNvPr id="2" name="Title 1"/>
+          <p:cNvSpPr>
+            <a:spLocks noGrp="1"/>
+          </p:cNvSpPr>
+          <p:nvPr>
+            <p:ph type="title"/>
+          </p:nvPr>
+        </p:nvSpPr>
+        <p:spPr/>
+        <p:txBody>
+          <a:bodyPr/>
+          <a:lstStyle/>
+          <a:p>
+            <a:r>
+              <a:rPr lang="en-IN" dirty="0" smtClean="0"/>
+              <a:t>LSTM</a:t>
+            </a:r>
+            <a:endParaRPr lang="en-IN" dirty="0"/>
+          </a:p>
+        </p:txBody>
+      </p:sp>
+      <p:sp>
+        <p:nvSpPr>
+          <p:cNvPr id="4" name="Slide Number Placeholder 3"/>
+          <p:cNvSpPr>
+            <a:spLocks noGrp="1"/>
+          </p:cNvSpPr>
+          <p:nvPr>
+            <p:ph type="sldNum" sz="quarter" idx="12"/>
+          </p:nvPr>
+        </p:nvSpPr>
+        <p:spPr/>
+        <p:txBody>
+          <a:bodyPr/>
+          <a:lstStyle/>
+          <a:p>
+            <a:fld id="{4FAB73BC-B049-4115-A692-8D63A059BFB8}" type="slidenum">
+              <a:rPr lang="en-US" smtClean="0"/>
+              <a:pPr/>
+              <a:t>11</a:t>
             </a:fld>
             <a:endParaRPr lang="en-US" dirty="0"/>
           </a:p>
@@ -4283,7 +4709,7 @@
             <a:fld id="{4FAB73BC-B049-4115-A692-8D63A059BFB8}" type="slidenum">
               <a:rPr lang="en-US" smtClean="0"/>
               <a:pPr/>
-              <a:t>10</a:t>
+              <a:t>11</a:t>
             </a:fld>
             <a:endParaRPr lang="en-US" dirty="0"/>
           </a:p>
@@ -4772,7 +5198,7 @@
 </p:sld>
 </file>
 
-<file path=ppt/slides/slide11.xml><?xml version="1.0" encoding="utf-8"?>
+<file path=ppt/slides/slide12.xml><?xml version="1.0" encoding="utf-8"?>
 <p:sld xmlns:a="http://schemas.openxmlformats.org/drawingml/2006/main" xmlns:r="http://schemas.openxmlformats.org/officeDocument/2006/relationships" xmlns:p="http://schemas.openxmlformats.org/presentationml/2006/main">
   <p:cSld>
     <p:spTree>
@@ -4830,7 +5256,7 @@
             <a:fld id="{4FAB73BC-B049-4115-A692-8D63A059BFB8}" type="slidenum">
               <a:rPr lang="en-US" smtClean="0"/>
               <a:pPr/>
-              <a:t>11</a:t>
+              <a:t>12</a:t>
             </a:fld>
             <a:endParaRPr lang="en-US" dirty="0"/>
           </a:p>
@@ -4954,7 +5380,7 @@
             <a:fld id="{4FAB73BC-B049-4115-A692-8D63A059BFB8}" type="slidenum">
               <a:rPr lang="en-US" smtClean="0"/>
               <a:pPr/>
-              <a:t>11</a:t>
+              <a:t>12</a:t>
             </a:fld>
             <a:endParaRPr lang="en-US" dirty="0"/>
           </a:p>
@@ -6391,7 +6817,7 @@
         <p:spPr>
           <a:xfrm>
             <a:off x="4544473" y="5468144"/>
-            <a:ext cx="4758034" cy="461665"/>
+            <a:ext cx="4860626" cy="461665"/>
           </a:xfrm>
           <a:prstGeom prst="rect">
             <a:avLst/>
@@ -6459,6 +6885,10 @@
             <a:r>
               <a:rPr lang="en-IN" sz="2400" b="1" baseline="-25000" dirty="0" smtClean="0"/>
               <a:t>f</a:t>
+            </a:r>
+            <a:r>
+              <a:rPr lang="en-IN" sz="2400" b="1" dirty="0"/>
+              <a:t>)</a:t>
             </a:r>
             <a:endParaRPr lang="en-IN" sz="2400" b="1" baseline="-25000" dirty="0"/>
           </a:p>
@@ -6484,7 +6914,7 @@
 </p:sld>
 </file>
 
-<file path=ppt/slides/slide12.xml><?xml version="1.0" encoding="utf-8"?>
+<file path=ppt/slides/slide13.xml><?xml version="1.0" encoding="utf-8"?>
 <p:sld xmlns:a="http://schemas.openxmlformats.org/drawingml/2006/main" xmlns:r="http://schemas.openxmlformats.org/officeDocument/2006/relationships" xmlns:p="http://schemas.openxmlformats.org/presentationml/2006/main">
   <p:cSld>
     <p:spTree>
@@ -6542,7 +6972,7 @@
             <a:fld id="{4FAB73BC-B049-4115-A692-8D63A059BFB8}" type="slidenum">
               <a:rPr lang="en-US" smtClean="0"/>
               <a:pPr/>
-              <a:t>12</a:t>
+              <a:t>13</a:t>
             </a:fld>
             <a:endParaRPr lang="en-US" dirty="0"/>
           </a:p>
@@ -6666,7 +7096,7 @@
             <a:fld id="{4FAB73BC-B049-4115-A692-8D63A059BFB8}" type="slidenum">
               <a:rPr lang="en-US" smtClean="0"/>
               <a:pPr/>
-              <a:t>12</a:t>
+              <a:t>13</a:t>
             </a:fld>
             <a:endParaRPr lang="en-US" dirty="0"/>
           </a:p>
@@ -8320,7 +8750,7 @@
 </p:sld>
 </file>
 
-<file path=ppt/slides/slide13.xml><?xml version="1.0" encoding="utf-8"?>
+<file path=ppt/slides/slide14.xml><?xml version="1.0" encoding="utf-8"?>
 <p:sld xmlns:a="http://schemas.openxmlformats.org/drawingml/2006/main" xmlns:r="http://schemas.openxmlformats.org/officeDocument/2006/relationships" xmlns:p="http://schemas.openxmlformats.org/presentationml/2006/main">
   <p:cSld>
     <p:spTree>
@@ -8378,7 +8808,7 @@
             <a:fld id="{4FAB73BC-B049-4115-A692-8D63A059BFB8}" type="slidenum">
               <a:rPr lang="en-US" smtClean="0"/>
               <a:pPr/>
-              <a:t>13</a:t>
+              <a:t>14</a:t>
             </a:fld>
             <a:endParaRPr lang="en-US" dirty="0"/>
           </a:p>
@@ -8502,7 +8932,7 @@
             <a:fld id="{4FAB73BC-B049-4115-A692-8D63A059BFB8}" type="slidenum">
               <a:rPr lang="en-US" smtClean="0"/>
               <a:pPr/>
-              <a:t>13</a:t>
+              <a:t>14</a:t>
             </a:fld>
             <a:endParaRPr lang="en-US" dirty="0"/>
           </a:p>
@@ -9939,7 +10369,7 @@
         <p:spPr>
           <a:xfrm>
             <a:off x="4544473" y="5468144"/>
-            <a:ext cx="4918334" cy="461665"/>
+            <a:ext cx="4918334" cy="830997"/>
           </a:xfrm>
           <a:prstGeom prst="rect">
             <a:avLst/>
@@ -9951,6 +10381,12 @@
             <a:spAutoFit/>
           </a:bodyPr>
           <a:lstStyle/>
+          <a:p>
+            <a:r>
+              <a:rPr lang="en-IN" sz="2400" b="1" dirty="0" smtClean="0"/>
+              <a:t>Interpolate new cell state</a:t>
+            </a:r>
+          </a:p>
           <a:p>
             <a:r>
               <a:rPr lang="en-IN" sz="2400" b="1" dirty="0" smtClean="0"/>
@@ -10028,7 +10464,7 @@
 </p:sld>
 </file>
 
-<file path=ppt/slides/slide14.xml><?xml version="1.0" encoding="utf-8"?>
+<file path=ppt/slides/slide15.xml><?xml version="1.0" encoding="utf-8"?>
 <p:sld xmlns:a="http://schemas.openxmlformats.org/drawingml/2006/main" xmlns:r="http://schemas.openxmlformats.org/officeDocument/2006/relationships" xmlns:p="http://schemas.openxmlformats.org/presentationml/2006/main">
   <p:cSld>
     <p:spTree>
@@ -10086,7 +10522,7 @@
             <a:fld id="{4FAB73BC-B049-4115-A692-8D63A059BFB8}" type="slidenum">
               <a:rPr lang="en-US" smtClean="0"/>
               <a:pPr/>
-              <a:t>14</a:t>
+              <a:t>15</a:t>
             </a:fld>
             <a:endParaRPr lang="en-US" dirty="0"/>
           </a:p>
@@ -10210,7 +10646,7 @@
             <a:fld id="{4FAB73BC-B049-4115-A692-8D63A059BFB8}" type="slidenum">
               <a:rPr lang="en-US" smtClean="0"/>
               <a:pPr/>
-              <a:t>14</a:t>
+              <a:t>15</a:t>
             </a:fld>
             <a:endParaRPr lang="en-US" dirty="0"/>
           </a:p>
@@ -11831,7 +12267,7 @@
 </p:sld>
 </file>
 
-<file path=ppt/slides/slide15.xml><?xml version="1.0" encoding="utf-8"?>
+<file path=ppt/slides/slide16.xml><?xml version="1.0" encoding="utf-8"?>
 <p:sld xmlns:a="http://schemas.openxmlformats.org/drawingml/2006/main" xmlns:r="http://schemas.openxmlformats.org/officeDocument/2006/relationships" xmlns:p="http://schemas.openxmlformats.org/presentationml/2006/main">
   <p:cSld>
     <p:spTree>
@@ -11871,7 +12307,7 @@
             <a:fld id="{4FAB73BC-B049-4115-A692-8D63A059BFB8}" type="slidenum">
               <a:rPr lang="en-US" smtClean="0"/>
               <a:pPr/>
-              <a:t>15</a:t>
+              <a:t>16</a:t>
             </a:fld>
             <a:endParaRPr lang="en-US" dirty="0"/>
           </a:p>
@@ -12023,7 +12459,7 @@
             <a:fld id="{4FAB73BC-B049-4115-A692-8D63A059BFB8}" type="slidenum">
               <a:rPr lang="en-US" smtClean="0"/>
               <a:pPr/>
-              <a:t>15</a:t>
+              <a:t>16</a:t>
             </a:fld>
             <a:endParaRPr lang="en-US" dirty="0"/>
           </a:p>
@@ -12147,7 +12583,7 @@
             <a:fld id="{4FAB73BC-B049-4115-A692-8D63A059BFB8}" type="slidenum">
               <a:rPr lang="en-US" smtClean="0"/>
               <a:pPr/>
-              <a:t>15</a:t>
+              <a:t>16</a:t>
             </a:fld>
             <a:endParaRPr lang="en-US" dirty="0"/>
           </a:p>
@@ -12988,7 +13424,7 @@
 </p:sld>
 </file>
 
-<file path=ppt/slides/slide16.xml><?xml version="1.0" encoding="utf-8"?>
+<file path=ppt/slides/slide17.xml><?xml version="1.0" encoding="utf-8"?>
 <p:sld xmlns:a="http://schemas.openxmlformats.org/drawingml/2006/main" xmlns:r="http://schemas.openxmlformats.org/officeDocument/2006/relationships" xmlns:p="http://schemas.openxmlformats.org/presentationml/2006/main">
   <p:cSld>
     <p:spTree>
@@ -13028,7 +13464,7 @@
             <a:fld id="{4FAB73BC-B049-4115-A692-8D63A059BFB8}" type="slidenum">
               <a:rPr lang="en-US" smtClean="0"/>
               <a:pPr/>
-              <a:t>16</a:t>
+              <a:t>17</a:t>
             </a:fld>
             <a:endParaRPr lang="en-US" dirty="0"/>
           </a:p>
@@ -13180,7 +13616,7 @@
             <a:fld id="{4FAB73BC-B049-4115-A692-8D63A059BFB8}" type="slidenum">
               <a:rPr lang="en-US" smtClean="0"/>
               <a:pPr/>
-              <a:t>16</a:t>
+              <a:t>17</a:t>
             </a:fld>
             <a:endParaRPr lang="en-US" dirty="0"/>
           </a:p>
@@ -13304,7 +13740,7 @@
             <a:fld id="{4FAB73BC-B049-4115-A692-8D63A059BFB8}" type="slidenum">
               <a:rPr lang="en-US" smtClean="0"/>
               <a:pPr/>
-              <a:t>16</a:t>
+              <a:t>17</a:t>
             </a:fld>
             <a:endParaRPr lang="en-US" dirty="0"/>
           </a:p>
@@ -14161,7 +14597,7 @@
 </p:sld>
 </file>
 
-<file path=ppt/slides/slide17.xml><?xml version="1.0" encoding="utf-8"?>
+<file path=ppt/slides/slide18.xml><?xml version="1.0" encoding="utf-8"?>
 <p:sld xmlns:a="http://schemas.openxmlformats.org/drawingml/2006/main" xmlns:r="http://schemas.openxmlformats.org/officeDocument/2006/relationships" xmlns:p="http://schemas.openxmlformats.org/presentationml/2006/main">
   <p:cSld>
     <p:spTree>
@@ -14226,20 +14662,73 @@
           <a:p>
             <a:r>
               <a:rPr lang="en-IN" dirty="0" smtClean="0"/>
-              <a:t>1 Has less gates</a:t>
-            </a:r>
-          </a:p>
-          <a:p>
+              <a:t> </a:t>
+            </a:r>
+          </a:p>
+          <a:p>
+            <a:pPr marL="457200" indent="-457200">
+              <a:buClrTx/>
+              <a:buSzPct val="94000"/>
+              <a:buFont typeface="+mj-lt"/>
+              <a:buAutoNum type="arabicPeriod"/>
+            </a:pPr>
             <a:r>
               <a:rPr lang="en-IN" dirty="0" smtClean="0"/>
-              <a:t>2 have fewer parameters and thus may train a bit faster</a:t>
-            </a:r>
-          </a:p>
-          <a:p>
+              <a:t>GTU has </a:t>
+            </a:r>
             <a:r>
               <a:rPr lang="en-IN" dirty="0" smtClean="0"/>
-              <a:t>3 need less data to generalize</a:t>
-            </a:r>
+              <a:t>less gates</a:t>
+            </a:r>
+          </a:p>
+          <a:p>
+            <a:pPr marL="457200" indent="-457200">
+              <a:buClrTx/>
+              <a:buSzPct val="94000"/>
+              <a:buFont typeface="+mj-lt"/>
+              <a:buAutoNum type="arabicPeriod"/>
+            </a:pPr>
+            <a:r>
+              <a:rPr lang="en-IN" dirty="0" smtClean="0"/>
+              <a:t>GTU have </a:t>
+            </a:r>
+            <a:r>
+              <a:rPr lang="en-IN" dirty="0" smtClean="0"/>
+              <a:t>fewer parameters and thus may train a bit faster</a:t>
+            </a:r>
+          </a:p>
+          <a:p>
+            <a:pPr marL="457200" indent="-457200">
+              <a:buClrTx/>
+              <a:buSzPct val="94000"/>
+              <a:buFont typeface="+mj-lt"/>
+              <a:buAutoNum type="arabicPeriod"/>
+            </a:pPr>
+            <a:r>
+              <a:rPr lang="en-IN" dirty="0" smtClean="0"/>
+              <a:t>GTU </a:t>
+            </a:r>
+            <a:r>
+              <a:rPr lang="en-IN" dirty="0" smtClean="0"/>
+              <a:t>need less data to </a:t>
+            </a:r>
+            <a:r>
+              <a:rPr lang="en-IN" dirty="0" smtClean="0"/>
+              <a:t>generalize</a:t>
+            </a:r>
+          </a:p>
+          <a:p>
+            <a:pPr marL="457200" indent="-457200">
+              <a:buClrTx/>
+              <a:buSzPct val="94000"/>
+              <a:buFont typeface="+mj-lt"/>
+              <a:buAutoNum type="arabicPeriod"/>
+            </a:pPr>
+            <a:r>
+              <a:rPr lang="en-US" dirty="0"/>
+              <a:t>LSTM has two internal states (hidden state and cell state) and GRU has only one internal state (hidden state)</a:t>
+            </a:r>
+            <a:endParaRPr lang="en-IN" dirty="0" smtClean="0"/>
           </a:p>
           <a:p>
             <a:endParaRPr lang="en-IN" dirty="0"/>
@@ -14247,15 +14736,7 @@
           <a:p>
             <a:r>
               <a:rPr lang="en-IN" dirty="0" smtClean="0"/>
-              <a:t>If </a:t>
-            </a:r>
-            <a:r>
-              <a:rPr lang="en-IN" smtClean="0"/>
-              <a:t>have enough </a:t>
-            </a:r>
-            <a:r>
-              <a:rPr lang="en-IN" dirty="0" smtClean="0"/>
-              <a:t>data LSTM is better</a:t>
+              <a:t>If have enough data LSTM is better</a:t>
             </a:r>
             <a:endParaRPr lang="en-IN" dirty="0"/>
           </a:p>
@@ -14279,7 +14760,7 @@
             <a:fld id="{4FAB73BC-B049-4115-A692-8D63A059BFB8}" type="slidenum">
               <a:rPr lang="en-US" smtClean="0"/>
               <a:pPr/>
-              <a:t>17</a:t>
+              <a:t>18</a:t>
             </a:fld>
             <a:endParaRPr lang="en-US" dirty="0"/>
           </a:p>
@@ -14497,60 +14978,55 @@
         </p:nvSpPr>
         <p:spPr/>
         <p:txBody>
-          <a:bodyPr/>
+          <a:bodyPr>
+            <a:normAutofit/>
+          </a:bodyPr>
           <a:lstStyle/>
           <a:p>
             <a:pPr>
               <a:lnSpc>
-                <a:spcPct val="150000"/>
+                <a:spcPct val="200000"/>
               </a:lnSpc>
             </a:pPr>
             <a:r>
-              <a:rPr lang="en-IN" dirty="0" smtClean="0"/>
-              <a:t>Another issue with RNN face is that after a while the network will begin to “forget” the first inputs, as information is lost at each step going through the RNN.</a:t>
+              <a:rPr lang="en-IN" sz="2800" dirty="0" smtClean="0">
+                <a:latin typeface="Times New Roman" pitchFamily="18" charset="0"/>
+                <a:cs typeface="Times New Roman" pitchFamily="18" charset="0"/>
+              </a:rPr>
+              <a:t>RNN is great: can remember anything</a:t>
             </a:r>
           </a:p>
           <a:p>
             <a:pPr>
               <a:lnSpc>
-                <a:spcPct val="150000"/>
+                <a:spcPct val="200000"/>
               </a:lnSpc>
             </a:pPr>
             <a:r>
-              <a:rPr lang="en-IN" dirty="0" smtClean="0"/>
-              <a:t>We need some sort of “Long term memory” for our networks.</a:t>
+              <a:rPr lang="en-IN" sz="2800" dirty="0" smtClean="0">
+                <a:latin typeface="Times New Roman" pitchFamily="18" charset="0"/>
+                <a:cs typeface="Times New Roman" pitchFamily="18" charset="0"/>
+              </a:rPr>
+              <a:t>RNN stinks: remembers everything</a:t>
             </a:r>
           </a:p>
           <a:p>
             <a:pPr>
               <a:lnSpc>
-                <a:spcPct val="150000"/>
+                <a:spcPct val="200000"/>
               </a:lnSpc>
             </a:pPr>
             <a:r>
-              <a:rPr lang="en-IN" dirty="0" smtClean="0"/>
-              <a:t>LSTM was created to help these RNN issues.</a:t>
-            </a:r>
-          </a:p>
-          <a:p>
-            <a:pPr>
-              <a:lnSpc>
-                <a:spcPct val="150000"/>
-              </a:lnSpc>
-            </a:pPr>
-            <a:endParaRPr lang="en-IN" dirty="0" smtClean="0"/>
-          </a:p>
-          <a:p>
-            <a:pPr>
-              <a:lnSpc>
-                <a:spcPct val="150000"/>
-              </a:lnSpc>
-            </a:pPr>
-            <a:r>
-              <a:rPr lang="en-IN" dirty="0" smtClean="0"/>
-              <a:t>Lets go through how an LSTM cell works.</a:t>
-            </a:r>
-            <a:endParaRPr lang="en-IN" dirty="0"/>
+              <a:rPr lang="en-IN" sz="2800" dirty="0" smtClean="0">
+                <a:latin typeface="Times New Roman" pitchFamily="18" charset="0"/>
+                <a:cs typeface="Times New Roman" pitchFamily="18" charset="0"/>
+              </a:rPr>
+              <a:t>Sometimes important to forget: LSTM</a:t>
+            </a:r>
+            <a:endParaRPr lang="en-IN" sz="2800" dirty="0">
+              <a:latin typeface="Times New Roman" pitchFamily="18" charset="0"/>
+              <a:cs typeface="Times New Roman" pitchFamily="18" charset="0"/>
+            </a:endParaRPr>
           </a:p>
         </p:txBody>
       </p:sp>
@@ -14581,20 +15057,13 @@
     </p:spTree>
     <p:extLst>
       <p:ext uri="{BB962C8B-B14F-4D97-AF65-F5344CB8AC3E}">
-        <p14:creationId xmlns:p14="http://schemas.microsoft.com/office/powerpoint/2010/main" val="2583063317"/>
+        <p14:creationId xmlns:p14="http://schemas.microsoft.com/office/powerpoint/2010/main" val="2868188841"/>
       </p:ext>
     </p:extLst>
   </p:cSld>
   <p:clrMapOvr>
     <a:masterClrMapping/>
   </p:clrMapOvr>
-  <p:timing>
-    <p:tnLst>
-      <p:par>
-        <p:cTn id="1" dur="indefinite" restart="never" nodeType="tmRoot"/>
-      </p:par>
-    </p:tnLst>
-  </p:timing>
 </p:sld>
 </file>
 
@@ -14632,7 +15101,76 @@
           <a:p>
             <a:r>
               <a:rPr lang="en-IN" dirty="0" smtClean="0"/>
-              <a:t>Typical RNN</a:t>
+              <a:t>LSTM</a:t>
+            </a:r>
+            <a:endParaRPr lang="en-IN" dirty="0"/>
+          </a:p>
+        </p:txBody>
+      </p:sp>
+      <p:sp>
+        <p:nvSpPr>
+          <p:cNvPr id="3" name="Content Placeholder 2"/>
+          <p:cNvSpPr>
+            <a:spLocks noGrp="1"/>
+          </p:cNvSpPr>
+          <p:nvPr>
+            <p:ph idx="1"/>
+          </p:nvPr>
+        </p:nvSpPr>
+        <p:spPr/>
+        <p:txBody>
+          <a:bodyPr/>
+          <a:lstStyle/>
+          <a:p>
+            <a:pPr>
+              <a:lnSpc>
+                <a:spcPct val="150000"/>
+              </a:lnSpc>
+            </a:pPr>
+            <a:r>
+              <a:rPr lang="en-IN" dirty="0" smtClean="0"/>
+              <a:t>Another issue with RNN face is that after a while the network will begin to “forget” the first inputs, as information is lost at each step going through the RNN.</a:t>
+            </a:r>
+          </a:p>
+          <a:p>
+            <a:pPr>
+              <a:lnSpc>
+                <a:spcPct val="150000"/>
+              </a:lnSpc>
+            </a:pPr>
+            <a:r>
+              <a:rPr lang="en-IN" dirty="0" smtClean="0"/>
+              <a:t>We need some sort of “Long term memory” for our networks.</a:t>
+            </a:r>
+          </a:p>
+          <a:p>
+            <a:pPr>
+              <a:lnSpc>
+                <a:spcPct val="150000"/>
+              </a:lnSpc>
+            </a:pPr>
+            <a:r>
+              <a:rPr lang="en-IN" dirty="0" smtClean="0"/>
+              <a:t>LSTM was created to help these RNN issues.</a:t>
+            </a:r>
+          </a:p>
+          <a:p>
+            <a:pPr>
+              <a:lnSpc>
+                <a:spcPct val="150000"/>
+              </a:lnSpc>
+            </a:pPr>
+            <a:endParaRPr lang="en-IN" dirty="0" smtClean="0"/>
+          </a:p>
+          <a:p>
+            <a:pPr>
+              <a:lnSpc>
+                <a:spcPct val="150000"/>
+              </a:lnSpc>
+            </a:pPr>
+            <a:r>
+              <a:rPr lang="en-IN" dirty="0" smtClean="0"/>
+              <a:t>Lets go through how an LSTM cell works.</a:t>
             </a:r>
             <a:endParaRPr lang="en-IN" dirty="0"/>
           </a:p>
@@ -14662,39 +15200,10 @@
           </a:p>
         </p:txBody>
       </p:sp>
-      <p:pic>
-        <p:nvPicPr>
-          <p:cNvPr id="5" name="Content Placeholder 6"/>
-          <p:cNvPicPr>
-            <a:picLocks noGrp="1" noChangeAspect="1"/>
-          </p:cNvPicPr>
-          <p:nvPr>
-            <p:ph idx="1"/>
-          </p:nvPr>
-        </p:nvPicPr>
-        <p:blipFill>
-          <a:blip r:embed="rId2">
-            <a:extLst>
-              <a:ext uri="{28A0092B-C50C-407E-A947-70E740481C1C}">
-                <a14:useLocalDpi xmlns:a14="http://schemas.microsoft.com/office/drawing/2010/main" val="0"/>
-              </a:ext>
-            </a:extLst>
-          </a:blip>
-          <a:stretch>
-            <a:fillRect/>
-          </a:stretch>
-        </p:blipFill>
-        <p:spPr>
-          <a:xfrm>
-            <a:off x="2047875" y="2271712"/>
-            <a:ext cx="8096250" cy="3533775"/>
-          </a:xfrm>
-        </p:spPr>
-      </p:pic>
     </p:spTree>
     <p:extLst>
       <p:ext uri="{BB962C8B-B14F-4D97-AF65-F5344CB8AC3E}">
-        <p14:creationId xmlns:p14="http://schemas.microsoft.com/office/powerpoint/2010/main" val="3422789714"/>
+        <p14:creationId xmlns:p14="http://schemas.microsoft.com/office/powerpoint/2010/main" val="2583063317"/>
       </p:ext>
     </p:extLst>
   </p:cSld>
@@ -14745,7 +15254,7 @@
           <a:p>
             <a:r>
               <a:rPr lang="en-IN" dirty="0" smtClean="0"/>
-              <a:t>RNN</a:t>
+              <a:t>Typical RNN</a:t>
             </a:r>
             <a:endParaRPr lang="en-IN" dirty="0"/>
           </a:p>
@@ -14770,6 +15279,119 @@
               <a:rPr lang="en-US" smtClean="0"/>
               <a:pPr/>
               <a:t>5</a:t>
+            </a:fld>
+            <a:endParaRPr lang="en-US" dirty="0"/>
+          </a:p>
+        </p:txBody>
+      </p:sp>
+      <p:pic>
+        <p:nvPicPr>
+          <p:cNvPr id="5" name="Content Placeholder 6"/>
+          <p:cNvPicPr>
+            <a:picLocks noGrp="1" noChangeAspect="1"/>
+          </p:cNvPicPr>
+          <p:nvPr>
+            <p:ph idx="1"/>
+          </p:nvPr>
+        </p:nvPicPr>
+        <p:blipFill>
+          <a:blip r:embed="rId2">
+            <a:extLst>
+              <a:ext uri="{28A0092B-C50C-407E-A947-70E740481C1C}">
+                <a14:useLocalDpi xmlns:a14="http://schemas.microsoft.com/office/drawing/2010/main" val="0"/>
+              </a:ext>
+            </a:extLst>
+          </a:blip>
+          <a:stretch>
+            <a:fillRect/>
+          </a:stretch>
+        </p:blipFill>
+        <p:spPr>
+          <a:xfrm>
+            <a:off x="2047875" y="2271712"/>
+            <a:ext cx="8096250" cy="3533775"/>
+          </a:xfrm>
+        </p:spPr>
+      </p:pic>
+    </p:spTree>
+    <p:extLst>
+      <p:ext uri="{BB962C8B-B14F-4D97-AF65-F5344CB8AC3E}">
+        <p14:creationId xmlns:p14="http://schemas.microsoft.com/office/powerpoint/2010/main" val="3422789714"/>
+      </p:ext>
+    </p:extLst>
+  </p:cSld>
+  <p:clrMapOvr>
+    <a:masterClrMapping/>
+  </p:clrMapOvr>
+  <p:timing>
+    <p:tnLst>
+      <p:par>
+        <p:cTn id="1" dur="indefinite" restart="never" nodeType="tmRoot"/>
+      </p:par>
+    </p:tnLst>
+  </p:timing>
+</p:sld>
+</file>
+
+<file path=ppt/slides/slide6.xml><?xml version="1.0" encoding="utf-8"?>
+<p:sld xmlns:a="http://schemas.openxmlformats.org/drawingml/2006/main" xmlns:r="http://schemas.openxmlformats.org/officeDocument/2006/relationships" xmlns:p="http://schemas.openxmlformats.org/presentationml/2006/main">
+  <p:cSld>
+    <p:spTree>
+      <p:nvGrpSpPr>
+        <p:cNvPr id="1" name=""/>
+        <p:cNvGrpSpPr/>
+        <p:nvPr/>
+      </p:nvGrpSpPr>
+      <p:grpSpPr>
+        <a:xfrm>
+          <a:off x="0" y="0"/>
+          <a:ext cx="0" cy="0"/>
+          <a:chOff x="0" y="0"/>
+          <a:chExt cx="0" cy="0"/>
+        </a:xfrm>
+      </p:grpSpPr>
+      <p:sp>
+        <p:nvSpPr>
+          <p:cNvPr id="2" name="Title 1"/>
+          <p:cNvSpPr>
+            <a:spLocks noGrp="1"/>
+          </p:cNvSpPr>
+          <p:nvPr>
+            <p:ph type="title"/>
+          </p:nvPr>
+        </p:nvSpPr>
+        <p:spPr/>
+        <p:txBody>
+          <a:bodyPr/>
+          <a:lstStyle/>
+          <a:p>
+            <a:r>
+              <a:rPr lang="en-IN" dirty="0" smtClean="0"/>
+              <a:t>RNN</a:t>
+            </a:r>
+            <a:endParaRPr lang="en-IN" dirty="0"/>
+          </a:p>
+        </p:txBody>
+      </p:sp>
+      <p:sp>
+        <p:nvSpPr>
+          <p:cNvPr id="4" name="Slide Number Placeholder 3"/>
+          <p:cNvSpPr>
+            <a:spLocks noGrp="1"/>
+          </p:cNvSpPr>
+          <p:nvPr>
+            <p:ph type="sldNum" sz="quarter" idx="12"/>
+          </p:nvPr>
+        </p:nvSpPr>
+        <p:spPr/>
+        <p:txBody>
+          <a:bodyPr/>
+          <a:lstStyle/>
+          <a:p>
+            <a:fld id="{4FAB73BC-B049-4115-A692-8D63A059BFB8}" type="slidenum">
+              <a:rPr lang="en-US" smtClean="0"/>
+              <a:pPr/>
+              <a:t>6</a:t>
             </a:fld>
             <a:endParaRPr lang="en-US" dirty="0"/>
           </a:p>
@@ -15136,7 +15758,7 @@
             <a:fld id="{4FAB73BC-B049-4115-A692-8D63A059BFB8}" type="slidenum">
               <a:rPr lang="en-US" smtClean="0"/>
               <a:pPr/>
-              <a:t>5</a:t>
+              <a:t>6</a:t>
             </a:fld>
             <a:endParaRPr lang="en-US" dirty="0"/>
           </a:p>
@@ -15387,372 +16009,6 @@
     <p:extLst>
       <p:ext uri="{BB962C8B-B14F-4D97-AF65-F5344CB8AC3E}">
         <p14:creationId xmlns:p14="http://schemas.microsoft.com/office/powerpoint/2010/main" val="555213232"/>
-      </p:ext>
-    </p:extLst>
-  </p:cSld>
-  <p:clrMapOvr>
-    <a:masterClrMapping/>
-  </p:clrMapOvr>
-  <p:timing>
-    <p:tnLst>
-      <p:par>
-        <p:cTn id="1" dur="indefinite" restart="never" nodeType="tmRoot"/>
-      </p:par>
-    </p:tnLst>
-  </p:timing>
-</p:sld>
-</file>
-
-<file path=ppt/slides/slide6.xml><?xml version="1.0" encoding="utf-8"?>
-<p:sld xmlns:a="http://schemas.openxmlformats.org/drawingml/2006/main" xmlns:r="http://schemas.openxmlformats.org/officeDocument/2006/relationships" xmlns:p="http://schemas.openxmlformats.org/presentationml/2006/main">
-  <p:cSld>
-    <p:spTree>
-      <p:nvGrpSpPr>
-        <p:cNvPr id="1" name=""/>
-        <p:cNvGrpSpPr/>
-        <p:nvPr/>
-      </p:nvGrpSpPr>
-      <p:grpSpPr>
-        <a:xfrm>
-          <a:off x="0" y="0"/>
-          <a:ext cx="0" cy="0"/>
-          <a:chOff x="0" y="0"/>
-          <a:chExt cx="0" cy="0"/>
-        </a:xfrm>
-      </p:grpSpPr>
-      <p:sp>
-        <p:nvSpPr>
-          <p:cNvPr id="2" name="Title 1"/>
-          <p:cNvSpPr>
-            <a:spLocks noGrp="1"/>
-          </p:cNvSpPr>
-          <p:nvPr>
-            <p:ph type="title"/>
-          </p:nvPr>
-        </p:nvSpPr>
-        <p:spPr/>
-        <p:txBody>
-          <a:bodyPr/>
-          <a:lstStyle/>
-          <a:p>
-            <a:r>
-              <a:rPr lang="en-IN" dirty="0" smtClean="0"/>
-              <a:t>RNN</a:t>
-            </a:r>
-            <a:endParaRPr lang="en-IN" dirty="0"/>
-          </a:p>
-        </p:txBody>
-      </p:sp>
-      <p:sp>
-        <p:nvSpPr>
-          <p:cNvPr id="4" name="Slide Number Placeholder 3"/>
-          <p:cNvSpPr>
-            <a:spLocks noGrp="1"/>
-          </p:cNvSpPr>
-          <p:nvPr>
-            <p:ph type="sldNum" sz="quarter" idx="12"/>
-          </p:nvPr>
-        </p:nvSpPr>
-        <p:spPr>
-          <a:xfrm>
-            <a:off x="6458533" y="38495"/>
-            <a:ext cx="1422400" cy="329184"/>
-          </a:xfrm>
-        </p:spPr>
-        <p:txBody>
-          <a:bodyPr/>
-          <a:lstStyle/>
-          <a:p>
-            <a:fld id="{4FAB73BC-B049-4115-A692-8D63A059BFB8}" type="slidenum">
-              <a:rPr lang="en-US" smtClean="0"/>
-              <a:pPr/>
-              <a:t>6</a:t>
-            </a:fld>
-            <a:endParaRPr lang="en-US" dirty="0"/>
-          </a:p>
-        </p:txBody>
-      </p:sp>
-      <p:sp>
-        <p:nvSpPr>
-          <p:cNvPr id="5" name="Rounded Rectangle 4"/>
-          <p:cNvSpPr/>
-          <p:nvPr/>
-        </p:nvSpPr>
-        <p:spPr>
-          <a:xfrm>
-            <a:off x="4143503" y="3161768"/>
-            <a:ext cx="2895925" cy="1349828"/>
-          </a:xfrm>
-          <a:prstGeom prst="roundRect">
-            <a:avLst/>
-          </a:prstGeom>
-          <a:solidFill>
-            <a:srgbClr val="92D050"/>
-          </a:solidFill>
-        </p:spPr>
-        <p:style>
-          <a:lnRef idx="2">
-            <a:schemeClr val="accent1">
-              <a:shade val="50000"/>
-            </a:schemeClr>
-          </a:lnRef>
-          <a:fillRef idx="1">
-            <a:schemeClr val="accent1"/>
-          </a:fillRef>
-          <a:effectRef idx="0">
-            <a:schemeClr val="accent1"/>
-          </a:effectRef>
-          <a:fontRef idx="minor">
-            <a:schemeClr val="lt1"/>
-          </a:fontRef>
-        </p:style>
-        <p:txBody>
-          <a:bodyPr rtlCol="0" anchor="ctr"/>
-          <a:lstStyle/>
-          <a:p>
-            <a:pPr algn="ctr"/>
-            <a:r>
-              <a:rPr lang="en-IN" b="1" dirty="0" err="1" smtClean="0">
-                <a:solidFill>
-                  <a:schemeClr val="tx1"/>
-                </a:solidFill>
-              </a:rPr>
-              <a:t>Ht</a:t>
-            </a:r>
-            <a:r>
-              <a:rPr lang="en-IN" b="1" dirty="0" smtClean="0">
-                <a:solidFill>
-                  <a:schemeClr val="tx1"/>
-                </a:solidFill>
-              </a:rPr>
-              <a:t>=</a:t>
-            </a:r>
-            <a:r>
-              <a:rPr lang="en-IN" b="1" dirty="0" err="1" smtClean="0">
-                <a:solidFill>
-                  <a:schemeClr val="tx1"/>
-                </a:solidFill>
-              </a:rPr>
-              <a:t>tanh</a:t>
-            </a:r>
-            <a:r>
-              <a:rPr lang="en-IN" b="1" dirty="0" smtClean="0">
-                <a:solidFill>
-                  <a:schemeClr val="tx1"/>
-                </a:solidFill>
-              </a:rPr>
-              <a:t>(W[Ht-1,Xt)+b)</a:t>
-            </a:r>
-            <a:endParaRPr lang="en-IN" b="1" dirty="0">
-              <a:solidFill>
-                <a:schemeClr val="tx1"/>
-              </a:solidFill>
-            </a:endParaRPr>
-          </a:p>
-        </p:txBody>
-      </p:sp>
-      <p:cxnSp>
-        <p:nvCxnSpPr>
-          <p:cNvPr id="6" name="Straight Arrow Connector 5"/>
-          <p:cNvCxnSpPr/>
-          <p:nvPr/>
-        </p:nvCxnSpPr>
-        <p:spPr>
-          <a:xfrm>
-            <a:off x="3504875" y="3836682"/>
-            <a:ext cx="638629" cy="0"/>
-          </a:xfrm>
-          <a:prstGeom prst="straightConnector1">
-            <a:avLst/>
-          </a:prstGeom>
-          <a:ln w="22225">
-            <a:solidFill>
-              <a:schemeClr val="tx1"/>
-            </a:solidFill>
-            <a:tailEnd type="arrow"/>
-          </a:ln>
-        </p:spPr>
-        <p:style>
-          <a:lnRef idx="1">
-            <a:schemeClr val="accent1"/>
-          </a:lnRef>
-          <a:fillRef idx="0">
-            <a:schemeClr val="accent1"/>
-          </a:fillRef>
-          <a:effectRef idx="0">
-            <a:schemeClr val="accent1"/>
-          </a:effectRef>
-          <a:fontRef idx="minor">
-            <a:schemeClr val="tx1"/>
-          </a:fontRef>
-        </p:style>
-      </p:cxnSp>
-      <p:cxnSp>
-        <p:nvCxnSpPr>
-          <p:cNvPr id="7" name="Straight Arrow Connector 6"/>
-          <p:cNvCxnSpPr/>
-          <p:nvPr/>
-        </p:nvCxnSpPr>
-        <p:spPr>
-          <a:xfrm>
-            <a:off x="7176990" y="3836682"/>
-            <a:ext cx="638629" cy="0"/>
-          </a:xfrm>
-          <a:prstGeom prst="straightConnector1">
-            <a:avLst/>
-          </a:prstGeom>
-          <a:ln w="22225">
-            <a:solidFill>
-              <a:schemeClr val="tx1"/>
-            </a:solidFill>
-            <a:tailEnd type="arrow"/>
-          </a:ln>
-        </p:spPr>
-        <p:style>
-          <a:lnRef idx="1">
-            <a:schemeClr val="accent1"/>
-          </a:lnRef>
-          <a:fillRef idx="0">
-            <a:schemeClr val="accent1"/>
-          </a:fillRef>
-          <a:effectRef idx="0">
-            <a:schemeClr val="accent1"/>
-          </a:effectRef>
-          <a:fontRef idx="minor">
-            <a:schemeClr val="tx1"/>
-          </a:fontRef>
-        </p:style>
-      </p:cxnSp>
-      <p:cxnSp>
-        <p:nvCxnSpPr>
-          <p:cNvPr id="8" name="Straight Arrow Connector 7"/>
-          <p:cNvCxnSpPr/>
-          <p:nvPr/>
-        </p:nvCxnSpPr>
-        <p:spPr>
-          <a:xfrm flipH="1" flipV="1">
-            <a:off x="5108703" y="4511597"/>
-            <a:ext cx="1" cy="566056"/>
-          </a:xfrm>
-          <a:prstGeom prst="straightConnector1">
-            <a:avLst/>
-          </a:prstGeom>
-          <a:ln w="22225">
-            <a:solidFill>
-              <a:schemeClr val="tx1"/>
-            </a:solidFill>
-            <a:tailEnd type="arrow"/>
-          </a:ln>
-        </p:spPr>
-        <p:style>
-          <a:lnRef idx="1">
-            <a:schemeClr val="accent1"/>
-          </a:lnRef>
-          <a:fillRef idx="0">
-            <a:schemeClr val="accent1"/>
-          </a:fillRef>
-          <a:effectRef idx="0">
-            <a:schemeClr val="accent1"/>
-          </a:effectRef>
-          <a:fontRef idx="minor">
-            <a:schemeClr val="tx1"/>
-          </a:fontRef>
-        </p:style>
-      </p:cxnSp>
-      <p:sp>
-        <p:nvSpPr>
-          <p:cNvPr id="9" name="TextBox 8"/>
-          <p:cNvSpPr txBox="1"/>
-          <p:nvPr/>
-        </p:nvSpPr>
-        <p:spPr>
-          <a:xfrm>
-            <a:off x="2779160" y="3622205"/>
-            <a:ext cx="697627" cy="369332"/>
-          </a:xfrm>
-          <a:prstGeom prst="rect">
-            <a:avLst/>
-          </a:prstGeom>
-          <a:noFill/>
-        </p:spPr>
-        <p:txBody>
-          <a:bodyPr wrap="none" rtlCol="0">
-            <a:spAutoFit/>
-          </a:bodyPr>
-          <a:lstStyle/>
-          <a:p>
-            <a:r>
-              <a:rPr lang="en-IN" b="1" dirty="0" smtClean="0"/>
-              <a:t>H t-1</a:t>
-            </a:r>
-            <a:endParaRPr lang="en-IN" b="1" dirty="0"/>
-          </a:p>
-        </p:txBody>
-      </p:sp>
-      <p:sp>
-        <p:nvSpPr>
-          <p:cNvPr id="10" name="TextBox 9"/>
-          <p:cNvSpPr txBox="1"/>
-          <p:nvPr/>
-        </p:nvSpPr>
-        <p:spPr>
-          <a:xfrm>
-            <a:off x="4868895" y="5193769"/>
-            <a:ext cx="479618" cy="369332"/>
-          </a:xfrm>
-          <a:prstGeom prst="rect">
-            <a:avLst/>
-          </a:prstGeom>
-          <a:noFill/>
-        </p:spPr>
-        <p:txBody>
-          <a:bodyPr wrap="none" rtlCol="0">
-            <a:spAutoFit/>
-          </a:bodyPr>
-          <a:lstStyle/>
-          <a:p>
-            <a:r>
-              <a:rPr lang="en-IN" b="1" dirty="0" smtClean="0"/>
-              <a:t>X t</a:t>
-            </a:r>
-            <a:endParaRPr lang="en-IN" b="1" dirty="0"/>
-          </a:p>
-        </p:txBody>
-      </p:sp>
-      <p:sp>
-        <p:nvSpPr>
-          <p:cNvPr id="11" name="TextBox 10"/>
-          <p:cNvSpPr txBox="1"/>
-          <p:nvPr/>
-        </p:nvSpPr>
-        <p:spPr>
-          <a:xfrm>
-            <a:off x="7815619" y="3622205"/>
-            <a:ext cx="492443" cy="369332"/>
-          </a:xfrm>
-          <a:prstGeom prst="rect">
-            <a:avLst/>
-          </a:prstGeom>
-          <a:noFill/>
-        </p:spPr>
-        <p:txBody>
-          <a:bodyPr wrap="none" rtlCol="0">
-            <a:spAutoFit/>
-          </a:bodyPr>
-          <a:lstStyle/>
-          <a:p>
-            <a:r>
-              <a:rPr lang="en-IN" b="1" dirty="0" smtClean="0"/>
-              <a:t>H t</a:t>
-            </a:r>
-            <a:endParaRPr lang="en-IN" b="1" dirty="0"/>
-          </a:p>
-        </p:txBody>
-      </p:sp>
-    </p:spTree>
-    <p:extLst>
-      <p:ext uri="{BB962C8B-B14F-4D97-AF65-F5344CB8AC3E}">
-        <p14:creationId xmlns:p14="http://schemas.microsoft.com/office/powerpoint/2010/main" val="3259942558"/>
       </p:ext>
     </p:extLst>
   </p:cSld>
@@ -15803,7 +16059,7 @@
           <a:p>
             <a:r>
               <a:rPr lang="en-IN" dirty="0" smtClean="0"/>
-              <a:t>LSTM</a:t>
+              <a:t>RNN</a:t>
             </a:r>
             <a:endParaRPr lang="en-IN" dirty="0"/>
           </a:p>
@@ -15819,7 +16075,12 @@
             <p:ph type="sldNum" sz="quarter" idx="12"/>
           </p:nvPr>
         </p:nvSpPr>
-        <p:spPr/>
+        <p:spPr>
+          <a:xfrm>
+            <a:off x="6458533" y="38495"/>
+            <a:ext cx="1422400" cy="329184"/>
+          </a:xfrm>
+        </p:spPr>
         <p:txBody>
           <a:bodyPr/>
           <a:lstStyle/>
@@ -15828,6 +16089,367 @@
               <a:rPr lang="en-US" smtClean="0"/>
               <a:pPr/>
               <a:t>7</a:t>
+            </a:fld>
+            <a:endParaRPr lang="en-US" dirty="0"/>
+          </a:p>
+        </p:txBody>
+      </p:sp>
+      <p:sp>
+        <p:nvSpPr>
+          <p:cNvPr id="5" name="Rounded Rectangle 4"/>
+          <p:cNvSpPr/>
+          <p:nvPr/>
+        </p:nvSpPr>
+        <p:spPr>
+          <a:xfrm>
+            <a:off x="4143503" y="3161768"/>
+            <a:ext cx="2895925" cy="1349828"/>
+          </a:xfrm>
+          <a:prstGeom prst="roundRect">
+            <a:avLst/>
+          </a:prstGeom>
+          <a:solidFill>
+            <a:srgbClr val="92D050"/>
+          </a:solidFill>
+        </p:spPr>
+        <p:style>
+          <a:lnRef idx="2">
+            <a:schemeClr val="accent1">
+              <a:shade val="50000"/>
+            </a:schemeClr>
+          </a:lnRef>
+          <a:fillRef idx="1">
+            <a:schemeClr val="accent1"/>
+          </a:fillRef>
+          <a:effectRef idx="0">
+            <a:schemeClr val="accent1"/>
+          </a:effectRef>
+          <a:fontRef idx="minor">
+            <a:schemeClr val="lt1"/>
+          </a:fontRef>
+        </p:style>
+        <p:txBody>
+          <a:bodyPr rtlCol="0" anchor="ctr"/>
+          <a:lstStyle/>
+          <a:p>
+            <a:pPr algn="ctr"/>
+            <a:r>
+              <a:rPr lang="en-IN" b="1" dirty="0" err="1" smtClean="0">
+                <a:solidFill>
+                  <a:schemeClr val="tx1"/>
+                </a:solidFill>
+              </a:rPr>
+              <a:t>Ht</a:t>
+            </a:r>
+            <a:r>
+              <a:rPr lang="en-IN" b="1" dirty="0" smtClean="0">
+                <a:solidFill>
+                  <a:schemeClr val="tx1"/>
+                </a:solidFill>
+              </a:rPr>
+              <a:t>=</a:t>
+            </a:r>
+            <a:r>
+              <a:rPr lang="en-IN" b="1" dirty="0" err="1" smtClean="0">
+                <a:solidFill>
+                  <a:schemeClr val="tx1"/>
+                </a:solidFill>
+              </a:rPr>
+              <a:t>tanh</a:t>
+            </a:r>
+            <a:r>
+              <a:rPr lang="en-IN" b="1" dirty="0" smtClean="0">
+                <a:solidFill>
+                  <a:schemeClr val="tx1"/>
+                </a:solidFill>
+              </a:rPr>
+              <a:t>(W[Ht-1,Xt)+b)</a:t>
+            </a:r>
+            <a:endParaRPr lang="en-IN" b="1" dirty="0">
+              <a:solidFill>
+                <a:schemeClr val="tx1"/>
+              </a:solidFill>
+            </a:endParaRPr>
+          </a:p>
+        </p:txBody>
+      </p:sp>
+      <p:cxnSp>
+        <p:nvCxnSpPr>
+          <p:cNvPr id="6" name="Straight Arrow Connector 5"/>
+          <p:cNvCxnSpPr/>
+          <p:nvPr/>
+        </p:nvCxnSpPr>
+        <p:spPr>
+          <a:xfrm>
+            <a:off x="3504875" y="3836682"/>
+            <a:ext cx="638629" cy="0"/>
+          </a:xfrm>
+          <a:prstGeom prst="straightConnector1">
+            <a:avLst/>
+          </a:prstGeom>
+          <a:ln w="22225">
+            <a:solidFill>
+              <a:schemeClr val="tx1"/>
+            </a:solidFill>
+            <a:tailEnd type="arrow"/>
+          </a:ln>
+        </p:spPr>
+        <p:style>
+          <a:lnRef idx="1">
+            <a:schemeClr val="accent1"/>
+          </a:lnRef>
+          <a:fillRef idx="0">
+            <a:schemeClr val="accent1"/>
+          </a:fillRef>
+          <a:effectRef idx="0">
+            <a:schemeClr val="accent1"/>
+          </a:effectRef>
+          <a:fontRef idx="minor">
+            <a:schemeClr val="tx1"/>
+          </a:fontRef>
+        </p:style>
+      </p:cxnSp>
+      <p:cxnSp>
+        <p:nvCxnSpPr>
+          <p:cNvPr id="7" name="Straight Arrow Connector 6"/>
+          <p:cNvCxnSpPr/>
+          <p:nvPr/>
+        </p:nvCxnSpPr>
+        <p:spPr>
+          <a:xfrm>
+            <a:off x="7176990" y="3836682"/>
+            <a:ext cx="638629" cy="0"/>
+          </a:xfrm>
+          <a:prstGeom prst="straightConnector1">
+            <a:avLst/>
+          </a:prstGeom>
+          <a:ln w="22225">
+            <a:solidFill>
+              <a:schemeClr val="tx1"/>
+            </a:solidFill>
+            <a:tailEnd type="arrow"/>
+          </a:ln>
+        </p:spPr>
+        <p:style>
+          <a:lnRef idx="1">
+            <a:schemeClr val="accent1"/>
+          </a:lnRef>
+          <a:fillRef idx="0">
+            <a:schemeClr val="accent1"/>
+          </a:fillRef>
+          <a:effectRef idx="0">
+            <a:schemeClr val="accent1"/>
+          </a:effectRef>
+          <a:fontRef idx="minor">
+            <a:schemeClr val="tx1"/>
+          </a:fontRef>
+        </p:style>
+      </p:cxnSp>
+      <p:cxnSp>
+        <p:nvCxnSpPr>
+          <p:cNvPr id="8" name="Straight Arrow Connector 7"/>
+          <p:cNvCxnSpPr/>
+          <p:nvPr/>
+        </p:nvCxnSpPr>
+        <p:spPr>
+          <a:xfrm flipH="1" flipV="1">
+            <a:off x="5108703" y="4511597"/>
+            <a:ext cx="1" cy="566056"/>
+          </a:xfrm>
+          <a:prstGeom prst="straightConnector1">
+            <a:avLst/>
+          </a:prstGeom>
+          <a:ln w="22225">
+            <a:solidFill>
+              <a:schemeClr val="tx1"/>
+            </a:solidFill>
+            <a:tailEnd type="arrow"/>
+          </a:ln>
+        </p:spPr>
+        <p:style>
+          <a:lnRef idx="1">
+            <a:schemeClr val="accent1"/>
+          </a:lnRef>
+          <a:fillRef idx="0">
+            <a:schemeClr val="accent1"/>
+          </a:fillRef>
+          <a:effectRef idx="0">
+            <a:schemeClr val="accent1"/>
+          </a:effectRef>
+          <a:fontRef idx="minor">
+            <a:schemeClr val="tx1"/>
+          </a:fontRef>
+        </p:style>
+      </p:cxnSp>
+      <p:sp>
+        <p:nvSpPr>
+          <p:cNvPr id="9" name="TextBox 8"/>
+          <p:cNvSpPr txBox="1"/>
+          <p:nvPr/>
+        </p:nvSpPr>
+        <p:spPr>
+          <a:xfrm>
+            <a:off x="2779160" y="3622205"/>
+            <a:ext cx="697627" cy="369332"/>
+          </a:xfrm>
+          <a:prstGeom prst="rect">
+            <a:avLst/>
+          </a:prstGeom>
+          <a:noFill/>
+        </p:spPr>
+        <p:txBody>
+          <a:bodyPr wrap="none" rtlCol="0">
+            <a:spAutoFit/>
+          </a:bodyPr>
+          <a:lstStyle/>
+          <a:p>
+            <a:r>
+              <a:rPr lang="en-IN" b="1" dirty="0" smtClean="0"/>
+              <a:t>H t-1</a:t>
+            </a:r>
+            <a:endParaRPr lang="en-IN" b="1" dirty="0"/>
+          </a:p>
+        </p:txBody>
+      </p:sp>
+      <p:sp>
+        <p:nvSpPr>
+          <p:cNvPr id="10" name="TextBox 9"/>
+          <p:cNvSpPr txBox="1"/>
+          <p:nvPr/>
+        </p:nvSpPr>
+        <p:spPr>
+          <a:xfrm>
+            <a:off x="4868895" y="5193769"/>
+            <a:ext cx="479618" cy="369332"/>
+          </a:xfrm>
+          <a:prstGeom prst="rect">
+            <a:avLst/>
+          </a:prstGeom>
+          <a:noFill/>
+        </p:spPr>
+        <p:txBody>
+          <a:bodyPr wrap="none" rtlCol="0">
+            <a:spAutoFit/>
+          </a:bodyPr>
+          <a:lstStyle/>
+          <a:p>
+            <a:r>
+              <a:rPr lang="en-IN" b="1" dirty="0" smtClean="0"/>
+              <a:t>X t</a:t>
+            </a:r>
+            <a:endParaRPr lang="en-IN" b="1" dirty="0"/>
+          </a:p>
+        </p:txBody>
+      </p:sp>
+      <p:sp>
+        <p:nvSpPr>
+          <p:cNvPr id="11" name="TextBox 10"/>
+          <p:cNvSpPr txBox="1"/>
+          <p:nvPr/>
+        </p:nvSpPr>
+        <p:spPr>
+          <a:xfrm>
+            <a:off x="7815619" y="3622205"/>
+            <a:ext cx="492443" cy="369332"/>
+          </a:xfrm>
+          <a:prstGeom prst="rect">
+            <a:avLst/>
+          </a:prstGeom>
+          <a:noFill/>
+        </p:spPr>
+        <p:txBody>
+          <a:bodyPr wrap="none" rtlCol="0">
+            <a:spAutoFit/>
+          </a:bodyPr>
+          <a:lstStyle/>
+          <a:p>
+            <a:r>
+              <a:rPr lang="en-IN" b="1" dirty="0" smtClean="0"/>
+              <a:t>H t</a:t>
+            </a:r>
+            <a:endParaRPr lang="en-IN" b="1" dirty="0"/>
+          </a:p>
+        </p:txBody>
+      </p:sp>
+    </p:spTree>
+    <p:extLst>
+      <p:ext uri="{BB962C8B-B14F-4D97-AF65-F5344CB8AC3E}">
+        <p14:creationId xmlns:p14="http://schemas.microsoft.com/office/powerpoint/2010/main" val="3259942558"/>
+      </p:ext>
+    </p:extLst>
+  </p:cSld>
+  <p:clrMapOvr>
+    <a:masterClrMapping/>
+  </p:clrMapOvr>
+  <p:timing>
+    <p:tnLst>
+      <p:par>
+        <p:cTn id="1" dur="indefinite" restart="never" nodeType="tmRoot"/>
+      </p:par>
+    </p:tnLst>
+  </p:timing>
+</p:sld>
+</file>
+
+<file path=ppt/slides/slide8.xml><?xml version="1.0" encoding="utf-8"?>
+<p:sld xmlns:a="http://schemas.openxmlformats.org/drawingml/2006/main" xmlns:r="http://schemas.openxmlformats.org/officeDocument/2006/relationships" xmlns:p="http://schemas.openxmlformats.org/presentationml/2006/main">
+  <p:cSld>
+    <p:spTree>
+      <p:nvGrpSpPr>
+        <p:cNvPr id="1" name=""/>
+        <p:cNvGrpSpPr/>
+        <p:nvPr/>
+      </p:nvGrpSpPr>
+      <p:grpSpPr>
+        <a:xfrm>
+          <a:off x="0" y="0"/>
+          <a:ext cx="0" cy="0"/>
+          <a:chOff x="0" y="0"/>
+          <a:chExt cx="0" cy="0"/>
+        </a:xfrm>
+      </p:grpSpPr>
+      <p:sp>
+        <p:nvSpPr>
+          <p:cNvPr id="2" name="Title 1"/>
+          <p:cNvSpPr>
+            <a:spLocks noGrp="1"/>
+          </p:cNvSpPr>
+          <p:nvPr>
+            <p:ph type="title"/>
+          </p:nvPr>
+        </p:nvSpPr>
+        <p:spPr/>
+        <p:txBody>
+          <a:bodyPr/>
+          <a:lstStyle/>
+          <a:p>
+            <a:r>
+              <a:rPr lang="en-IN" dirty="0" smtClean="0"/>
+              <a:t>LSTM</a:t>
+            </a:r>
+            <a:endParaRPr lang="en-IN" dirty="0"/>
+          </a:p>
+        </p:txBody>
+      </p:sp>
+      <p:sp>
+        <p:nvSpPr>
+          <p:cNvPr id="4" name="Slide Number Placeholder 3"/>
+          <p:cNvSpPr>
+            <a:spLocks noGrp="1"/>
+          </p:cNvSpPr>
+          <p:nvPr>
+            <p:ph type="sldNum" sz="quarter" idx="12"/>
+          </p:nvPr>
+        </p:nvSpPr>
+        <p:spPr/>
+        <p:txBody>
+          <a:bodyPr/>
+          <a:lstStyle/>
+          <a:p>
+            <a:fld id="{4FAB73BC-B049-4115-A692-8D63A059BFB8}" type="slidenum">
+              <a:rPr lang="en-US" smtClean="0"/>
+              <a:pPr/>
+              <a:t>8</a:t>
             </a:fld>
             <a:endParaRPr lang="en-US" dirty="0"/>
           </a:p>
@@ -15951,7 +16573,7 @@
             <a:fld id="{4FAB73BC-B049-4115-A692-8D63A059BFB8}" type="slidenum">
               <a:rPr lang="en-US" smtClean="0"/>
               <a:pPr/>
-              <a:t>7</a:t>
+              <a:t>8</a:t>
             </a:fld>
             <a:endParaRPr lang="en-US" dirty="0"/>
           </a:p>
@@ -16450,7 +17072,7 @@
 </p:sld>
 </file>
 
-<file path=ppt/slides/slide8.xml><?xml version="1.0" encoding="utf-8"?>
+<file path=ppt/slides/slide9.xml><?xml version="1.0" encoding="utf-8"?>
 <p:sld xmlns:a="http://schemas.openxmlformats.org/drawingml/2006/main" xmlns:r="http://schemas.openxmlformats.org/officeDocument/2006/relationships" xmlns:p="http://schemas.openxmlformats.org/presentationml/2006/main">
   <p:cSld>
     <p:spTree>
@@ -16490,7 +17112,7 @@
             <a:fld id="{4FAB73BC-B049-4115-A692-8D63A059BFB8}" type="slidenum">
               <a:rPr lang="en-US" smtClean="0"/>
               <a:pPr/>
-              <a:t>8</a:t>
+              <a:t>9</a:t>
             </a:fld>
             <a:endParaRPr lang="en-US" dirty="0"/>
           </a:p>
@@ -16642,7 +17264,7 @@
             <a:fld id="{4FAB73BC-B049-4115-A692-8D63A059BFB8}" type="slidenum">
               <a:rPr lang="en-US" smtClean="0"/>
               <a:pPr/>
-              <a:t>8</a:t>
+              <a:t>9</a:t>
             </a:fld>
             <a:endParaRPr lang="en-US" dirty="0"/>
           </a:p>
@@ -16766,7 +17388,7 @@
             <a:fld id="{4FAB73BC-B049-4115-A692-8D63A059BFB8}" type="slidenum">
               <a:rPr lang="en-US" smtClean="0"/>
               <a:pPr/>
-              <a:t>8</a:t>
+              <a:t>9</a:t>
             </a:fld>
             <a:endParaRPr lang="en-US" dirty="0"/>
           </a:p>
@@ -17457,389 +18079,6 @@
     <p:extLst>
       <p:ext uri="{BB962C8B-B14F-4D97-AF65-F5344CB8AC3E}">
         <p14:creationId xmlns:p14="http://schemas.microsoft.com/office/powerpoint/2010/main" val="874522697"/>
-      </p:ext>
-    </p:extLst>
-  </p:cSld>
-  <p:clrMapOvr>
-    <a:masterClrMapping/>
-  </p:clrMapOvr>
-  <p:timing>
-    <p:tnLst>
-      <p:par>
-        <p:cTn id="1" dur="indefinite" restart="never" nodeType="tmRoot"/>
-      </p:par>
-    </p:tnLst>
-  </p:timing>
-</p:sld>
-</file>
-
-<file path=ppt/slides/slide9.xml><?xml version="1.0" encoding="utf-8"?>
-<p:sld xmlns:a="http://schemas.openxmlformats.org/drawingml/2006/main" xmlns:r="http://schemas.openxmlformats.org/officeDocument/2006/relationships" xmlns:p="http://schemas.openxmlformats.org/presentationml/2006/main">
-  <p:cSld>
-    <p:spTree>
-      <p:nvGrpSpPr>
-        <p:cNvPr id="1" name=""/>
-        <p:cNvGrpSpPr/>
-        <p:nvPr/>
-      </p:nvGrpSpPr>
-      <p:grpSpPr>
-        <a:xfrm>
-          <a:off x="0" y="0"/>
-          <a:ext cx="0" cy="0"/>
-          <a:chOff x="0" y="0"/>
-          <a:chExt cx="0" cy="0"/>
-        </a:xfrm>
-      </p:grpSpPr>
-      <p:sp>
-        <p:nvSpPr>
-          <p:cNvPr id="2" name="Title 1"/>
-          <p:cNvSpPr>
-            <a:spLocks noGrp="1"/>
-          </p:cNvSpPr>
-          <p:nvPr>
-            <p:ph type="title"/>
-          </p:nvPr>
-        </p:nvSpPr>
-        <p:spPr/>
-        <p:txBody>
-          <a:bodyPr/>
-          <a:lstStyle/>
-          <a:p>
-            <a:r>
-              <a:rPr lang="en-IN" dirty="0" smtClean="0"/>
-              <a:t>Gate</a:t>
-            </a:r>
-            <a:endParaRPr lang="en-IN" dirty="0"/>
-          </a:p>
-        </p:txBody>
-      </p:sp>
-      <p:sp>
-        <p:nvSpPr>
-          <p:cNvPr id="3" name="Content Placeholder 2"/>
-          <p:cNvSpPr>
-            <a:spLocks noGrp="1"/>
-          </p:cNvSpPr>
-          <p:nvPr>
-            <p:ph idx="1"/>
-          </p:nvPr>
-        </p:nvSpPr>
-        <p:spPr/>
-        <p:txBody>
-          <a:bodyPr/>
-          <a:lstStyle/>
-          <a:p>
-            <a:r>
-              <a:rPr lang="en-IN" dirty="0" smtClean="0"/>
-              <a:t>Gates optionally let information through</a:t>
-            </a:r>
-            <a:endParaRPr lang="en-IN" dirty="0"/>
-          </a:p>
-        </p:txBody>
-      </p:sp>
-      <p:sp>
-        <p:nvSpPr>
-          <p:cNvPr id="4" name="Slide Number Placeholder 3"/>
-          <p:cNvSpPr>
-            <a:spLocks noGrp="1"/>
-          </p:cNvSpPr>
-          <p:nvPr>
-            <p:ph type="sldNum" sz="quarter" idx="12"/>
-          </p:nvPr>
-        </p:nvSpPr>
-        <p:spPr/>
-        <p:txBody>
-          <a:bodyPr/>
-          <a:lstStyle/>
-          <a:p>
-            <a:fld id="{4FAB73BC-B049-4115-A692-8D63A059BFB8}" type="slidenum">
-              <a:rPr lang="en-US" smtClean="0"/>
-              <a:pPr/>
-              <a:t>9</a:t>
-            </a:fld>
-            <a:endParaRPr lang="en-US" dirty="0"/>
-          </a:p>
-        </p:txBody>
-      </p:sp>
-      <p:sp>
-        <p:nvSpPr>
-          <p:cNvPr id="5" name="Rounded Rectangle 4"/>
-          <p:cNvSpPr/>
-          <p:nvPr/>
-        </p:nvSpPr>
-        <p:spPr>
-          <a:xfrm>
-            <a:off x="4702629" y="3165788"/>
-            <a:ext cx="1930400" cy="1349828"/>
-          </a:xfrm>
-          <a:prstGeom prst="roundRect">
-            <a:avLst/>
-          </a:prstGeom>
-          <a:solidFill>
-            <a:srgbClr val="92D050"/>
-          </a:solidFill>
-        </p:spPr>
-        <p:style>
-          <a:lnRef idx="2">
-            <a:schemeClr val="accent1">
-              <a:shade val="50000"/>
-            </a:schemeClr>
-          </a:lnRef>
-          <a:fillRef idx="1">
-            <a:schemeClr val="accent1"/>
-          </a:fillRef>
-          <a:effectRef idx="0">
-            <a:schemeClr val="accent1"/>
-          </a:effectRef>
-          <a:fontRef idx="minor">
-            <a:schemeClr val="lt1"/>
-          </a:fontRef>
-        </p:style>
-        <p:txBody>
-          <a:bodyPr rtlCol="0" anchor="ctr"/>
-          <a:lstStyle/>
-          <a:p>
-            <a:pPr algn="ctr"/>
-            <a:r>
-              <a:rPr lang="el-GR" dirty="0"/>
-              <a:t> </a:t>
-            </a:r>
-            <a:r>
-              <a:rPr lang="el-GR" b="1" dirty="0"/>
-              <a:t>σ</a:t>
-            </a:r>
-            <a:endParaRPr lang="en-IN" b="1" dirty="0">
-              <a:solidFill>
-                <a:schemeClr val="tx1"/>
-              </a:solidFill>
-            </a:endParaRPr>
-          </a:p>
-        </p:txBody>
-      </p:sp>
-      <p:cxnSp>
-        <p:nvCxnSpPr>
-          <p:cNvPr id="6" name="Straight Arrow Connector 5"/>
-          <p:cNvCxnSpPr/>
-          <p:nvPr/>
-        </p:nvCxnSpPr>
-        <p:spPr>
-          <a:xfrm>
-            <a:off x="4238171" y="3827861"/>
-            <a:ext cx="464458" cy="12841"/>
-          </a:xfrm>
-          <a:prstGeom prst="straightConnector1">
-            <a:avLst/>
-          </a:prstGeom>
-          <a:ln w="22225">
-            <a:solidFill>
-              <a:schemeClr val="tx1"/>
-            </a:solidFill>
-            <a:tailEnd type="arrow"/>
-          </a:ln>
-        </p:spPr>
-        <p:style>
-          <a:lnRef idx="1">
-            <a:schemeClr val="accent1"/>
-          </a:lnRef>
-          <a:fillRef idx="0">
-            <a:schemeClr val="accent1"/>
-          </a:fillRef>
-          <a:effectRef idx="0">
-            <a:schemeClr val="accent1"/>
-          </a:effectRef>
-          <a:fontRef idx="minor">
-            <a:schemeClr val="tx1"/>
-          </a:fontRef>
-        </p:style>
-      </p:cxnSp>
-      <p:cxnSp>
-        <p:nvCxnSpPr>
-          <p:cNvPr id="7" name="Straight Arrow Connector 6"/>
-          <p:cNvCxnSpPr/>
-          <p:nvPr/>
-        </p:nvCxnSpPr>
-        <p:spPr>
-          <a:xfrm>
-            <a:off x="6633029" y="3840702"/>
-            <a:ext cx="638629" cy="0"/>
-          </a:xfrm>
-          <a:prstGeom prst="straightConnector1">
-            <a:avLst/>
-          </a:prstGeom>
-          <a:ln w="22225">
-            <a:solidFill>
-              <a:schemeClr val="tx1"/>
-            </a:solidFill>
-            <a:tailEnd type="arrow"/>
-          </a:ln>
-        </p:spPr>
-        <p:style>
-          <a:lnRef idx="1">
-            <a:schemeClr val="accent1"/>
-          </a:lnRef>
-          <a:fillRef idx="0">
-            <a:schemeClr val="accent1"/>
-          </a:fillRef>
-          <a:effectRef idx="0">
-            <a:schemeClr val="accent1"/>
-          </a:effectRef>
-          <a:fontRef idx="minor">
-            <a:schemeClr val="tx1"/>
-          </a:fontRef>
-        </p:style>
-      </p:cxnSp>
-      <p:sp>
-        <p:nvSpPr>
-          <p:cNvPr id="8" name="Oval 7"/>
-          <p:cNvSpPr/>
-          <p:nvPr/>
-        </p:nvSpPr>
-        <p:spPr>
-          <a:xfrm>
-            <a:off x="7271658" y="3595632"/>
-            <a:ext cx="493486" cy="464457"/>
-          </a:xfrm>
-          <a:prstGeom prst="ellipse">
-            <a:avLst/>
-          </a:prstGeom>
-        </p:spPr>
-        <p:style>
-          <a:lnRef idx="2">
-            <a:schemeClr val="accent1">
-              <a:shade val="50000"/>
-            </a:schemeClr>
-          </a:lnRef>
-          <a:fillRef idx="1">
-            <a:schemeClr val="accent1"/>
-          </a:fillRef>
-          <a:effectRef idx="0">
-            <a:schemeClr val="accent1"/>
-          </a:effectRef>
-          <a:fontRef idx="minor">
-            <a:schemeClr val="lt1"/>
-          </a:fontRef>
-        </p:style>
-        <p:txBody>
-          <a:bodyPr rtlCol="0" anchor="ctr"/>
-          <a:lstStyle/>
-          <a:p>
-            <a:pPr algn="ctr"/>
-            <a:r>
-              <a:rPr lang="en-IN" b="1" dirty="0" smtClean="0">
-                <a:solidFill>
-                  <a:schemeClr val="tx1"/>
-                </a:solidFill>
-              </a:rPr>
-              <a:t>X</a:t>
-            </a:r>
-            <a:endParaRPr lang="en-IN" b="1" dirty="0">
-              <a:solidFill>
-                <a:schemeClr val="tx1"/>
-              </a:solidFill>
-            </a:endParaRPr>
-          </a:p>
-        </p:txBody>
-      </p:sp>
-      <p:cxnSp>
-        <p:nvCxnSpPr>
-          <p:cNvPr id="10" name="Curved Connector 9"/>
-          <p:cNvCxnSpPr/>
-          <p:nvPr/>
-        </p:nvCxnSpPr>
-        <p:spPr>
-          <a:xfrm flipV="1">
-            <a:off x="5015535" y="4859832"/>
-            <a:ext cx="1291771" cy="688646"/>
-          </a:xfrm>
-          <a:prstGeom prst="curvedConnector3">
-            <a:avLst>
-              <a:gd name="adj1" fmla="val 54494"/>
-            </a:avLst>
-          </a:prstGeom>
-          <a:ln w="12700">
-            <a:solidFill>
-              <a:schemeClr val="tx1"/>
-            </a:solidFill>
-          </a:ln>
-        </p:spPr>
-        <p:style>
-          <a:lnRef idx="1">
-            <a:schemeClr val="accent1"/>
-          </a:lnRef>
-          <a:fillRef idx="0">
-            <a:schemeClr val="accent1"/>
-          </a:fillRef>
-          <a:effectRef idx="0">
-            <a:schemeClr val="accent1"/>
-          </a:effectRef>
-          <a:fontRef idx="minor">
-            <a:schemeClr val="tx1"/>
-          </a:fontRef>
-        </p:style>
-      </p:cxnSp>
-      <p:sp>
-        <p:nvSpPr>
-          <p:cNvPr id="12" name="TextBox 11"/>
-          <p:cNvSpPr txBox="1"/>
-          <p:nvPr/>
-        </p:nvSpPr>
-        <p:spPr>
-          <a:xfrm>
-            <a:off x="4702629" y="5363812"/>
-            <a:ext cx="312906" cy="369332"/>
-          </a:xfrm>
-          <a:prstGeom prst="rect">
-            <a:avLst/>
-          </a:prstGeom>
-          <a:noFill/>
-        </p:spPr>
-        <p:txBody>
-          <a:bodyPr wrap="none" rtlCol="0">
-            <a:spAutoFit/>
-          </a:bodyPr>
-          <a:lstStyle/>
-          <a:p>
-            <a:r>
-              <a:rPr lang="en-IN" dirty="0" smtClean="0"/>
-              <a:t>0</a:t>
-            </a:r>
-            <a:endParaRPr lang="en-IN" dirty="0"/>
-          </a:p>
-        </p:txBody>
-      </p:sp>
-      <p:sp>
-        <p:nvSpPr>
-          <p:cNvPr id="13" name="TextBox 12"/>
-          <p:cNvSpPr txBox="1"/>
-          <p:nvPr/>
-        </p:nvSpPr>
-        <p:spPr>
-          <a:xfrm>
-            <a:off x="6307306" y="4859832"/>
-            <a:ext cx="312906" cy="369332"/>
-          </a:xfrm>
-          <a:prstGeom prst="rect">
-            <a:avLst/>
-          </a:prstGeom>
-          <a:noFill/>
-        </p:spPr>
-        <p:txBody>
-          <a:bodyPr wrap="none" rtlCol="0">
-            <a:spAutoFit/>
-          </a:bodyPr>
-          <a:lstStyle/>
-          <a:p>
-            <a:r>
-              <a:rPr lang="en-IN" dirty="0" smtClean="0"/>
-              <a:t>1</a:t>
-            </a:r>
-            <a:endParaRPr lang="en-IN" dirty="0"/>
-          </a:p>
-        </p:txBody>
-      </p:sp>
-    </p:spTree>
-    <p:extLst>
-      <p:ext uri="{BB962C8B-B14F-4D97-AF65-F5344CB8AC3E}">
-        <p14:creationId xmlns:p14="http://schemas.microsoft.com/office/powerpoint/2010/main" val="3773406125"/>
       </p:ext>
     </p:extLst>
   </p:cSld>
